--- a/paper/figures/HOCannotated.pptx
+++ b/paper/figures/HOCannotated.pptx
@@ -288,7 +288,8 @@
           <a:p>
             <a:fld id="{E2BC31FF-8399-D040-9CF2-06EC6FCBB015}" type="datetimeFigureOut">
               <a:rPr lang="en-US" smtClean="0"/>
-              <a:t>4/12/15</a:t>
+              <a:pPr/>
+              <a:t>4/13/2015</a:t>
             </a:fld>
             <a:endParaRPr lang="en-US"/>
           </a:p>
@@ -330,6 +331,7 @@
           <a:p>
             <a:fld id="{578C4C9C-30B0-F541-88AF-2D72310D7B80}" type="slidenum">
               <a:rPr lang="en-US" smtClean="0"/>
+              <a:pPr/>
               <a:t>‹#›</a:t>
             </a:fld>
             <a:endParaRPr lang="en-US"/>
@@ -339,7 +341,7 @@
     </p:spTree>
     <p:extLst>
       <p:ext uri="{BB962C8B-B14F-4D97-AF65-F5344CB8AC3E}">
-        <p14:creationId xmlns:p14="http://schemas.microsoft.com/office/powerpoint/2010/main" val="1256092574"/>
+        <p14:creationId xmlns:p14="http://schemas.microsoft.com/office/powerpoint/2010/main" xmlns="" val="1256092574"/>
       </p:ext>
     </p:extLst>
   </p:cSld>
@@ -458,7 +460,8 @@
           <a:p>
             <a:fld id="{E2BC31FF-8399-D040-9CF2-06EC6FCBB015}" type="datetimeFigureOut">
               <a:rPr lang="en-US" smtClean="0"/>
-              <a:t>4/12/15</a:t>
+              <a:pPr/>
+              <a:t>4/13/2015</a:t>
             </a:fld>
             <a:endParaRPr lang="en-US"/>
           </a:p>
@@ -500,6 +503,7 @@
           <a:p>
             <a:fld id="{578C4C9C-30B0-F541-88AF-2D72310D7B80}" type="slidenum">
               <a:rPr lang="en-US" smtClean="0"/>
+              <a:pPr/>
               <a:t>‹#›</a:t>
             </a:fld>
             <a:endParaRPr lang="en-US"/>
@@ -509,7 +513,7 @@
     </p:spTree>
     <p:extLst>
       <p:ext uri="{BB962C8B-B14F-4D97-AF65-F5344CB8AC3E}">
-        <p14:creationId xmlns:p14="http://schemas.microsoft.com/office/powerpoint/2010/main" val="854545861"/>
+        <p14:creationId xmlns:p14="http://schemas.microsoft.com/office/powerpoint/2010/main" xmlns="" val="854545861"/>
       </p:ext>
     </p:extLst>
   </p:cSld>
@@ -638,7 +642,8 @@
           <a:p>
             <a:fld id="{E2BC31FF-8399-D040-9CF2-06EC6FCBB015}" type="datetimeFigureOut">
               <a:rPr lang="en-US" smtClean="0"/>
-              <a:t>4/12/15</a:t>
+              <a:pPr/>
+              <a:t>4/13/2015</a:t>
             </a:fld>
             <a:endParaRPr lang="en-US"/>
           </a:p>
@@ -680,6 +685,7 @@
           <a:p>
             <a:fld id="{578C4C9C-30B0-F541-88AF-2D72310D7B80}" type="slidenum">
               <a:rPr lang="en-US" smtClean="0"/>
+              <a:pPr/>
               <a:t>‹#›</a:t>
             </a:fld>
             <a:endParaRPr lang="en-US"/>
@@ -689,7 +695,7 @@
     </p:spTree>
     <p:extLst>
       <p:ext uri="{BB962C8B-B14F-4D97-AF65-F5344CB8AC3E}">
-        <p14:creationId xmlns:p14="http://schemas.microsoft.com/office/powerpoint/2010/main" val="2221062258"/>
+        <p14:creationId xmlns:p14="http://schemas.microsoft.com/office/powerpoint/2010/main" xmlns="" val="2221062258"/>
       </p:ext>
     </p:extLst>
   </p:cSld>
@@ -808,7 +814,8 @@
           <a:p>
             <a:fld id="{E2BC31FF-8399-D040-9CF2-06EC6FCBB015}" type="datetimeFigureOut">
               <a:rPr lang="en-US" smtClean="0"/>
-              <a:t>4/12/15</a:t>
+              <a:pPr/>
+              <a:t>4/13/2015</a:t>
             </a:fld>
             <a:endParaRPr lang="en-US"/>
           </a:p>
@@ -850,6 +857,7 @@
           <a:p>
             <a:fld id="{578C4C9C-30B0-F541-88AF-2D72310D7B80}" type="slidenum">
               <a:rPr lang="en-US" smtClean="0"/>
+              <a:pPr/>
               <a:t>‹#›</a:t>
             </a:fld>
             <a:endParaRPr lang="en-US"/>
@@ -859,7 +867,7 @@
     </p:spTree>
     <p:extLst>
       <p:ext uri="{BB962C8B-B14F-4D97-AF65-F5344CB8AC3E}">
-        <p14:creationId xmlns:p14="http://schemas.microsoft.com/office/powerpoint/2010/main" val="2290726589"/>
+        <p14:creationId xmlns:p14="http://schemas.microsoft.com/office/powerpoint/2010/main" xmlns="" val="2290726589"/>
       </p:ext>
     </p:extLst>
   </p:cSld>
@@ -1054,7 +1062,8 @@
           <a:p>
             <a:fld id="{E2BC31FF-8399-D040-9CF2-06EC6FCBB015}" type="datetimeFigureOut">
               <a:rPr lang="en-US" smtClean="0"/>
-              <a:t>4/12/15</a:t>
+              <a:pPr/>
+              <a:t>4/13/2015</a:t>
             </a:fld>
             <a:endParaRPr lang="en-US"/>
           </a:p>
@@ -1096,6 +1105,7 @@
           <a:p>
             <a:fld id="{578C4C9C-30B0-F541-88AF-2D72310D7B80}" type="slidenum">
               <a:rPr lang="en-US" smtClean="0"/>
+              <a:pPr/>
               <a:t>‹#›</a:t>
             </a:fld>
             <a:endParaRPr lang="en-US"/>
@@ -1105,7 +1115,7 @@
     </p:spTree>
     <p:extLst>
       <p:ext uri="{BB962C8B-B14F-4D97-AF65-F5344CB8AC3E}">
-        <p14:creationId xmlns:p14="http://schemas.microsoft.com/office/powerpoint/2010/main" val="1645174297"/>
+        <p14:creationId xmlns:p14="http://schemas.microsoft.com/office/powerpoint/2010/main" xmlns="" val="1645174297"/>
       </p:ext>
     </p:extLst>
   </p:cSld>
@@ -1342,7 +1352,8 @@
           <a:p>
             <a:fld id="{E2BC31FF-8399-D040-9CF2-06EC6FCBB015}" type="datetimeFigureOut">
               <a:rPr lang="en-US" smtClean="0"/>
-              <a:t>4/12/15</a:t>
+              <a:pPr/>
+              <a:t>4/13/2015</a:t>
             </a:fld>
             <a:endParaRPr lang="en-US"/>
           </a:p>
@@ -1384,6 +1395,7 @@
           <a:p>
             <a:fld id="{578C4C9C-30B0-F541-88AF-2D72310D7B80}" type="slidenum">
               <a:rPr lang="en-US" smtClean="0"/>
+              <a:pPr/>
               <a:t>‹#›</a:t>
             </a:fld>
             <a:endParaRPr lang="en-US"/>
@@ -1393,7 +1405,7 @@
     </p:spTree>
     <p:extLst>
       <p:ext uri="{BB962C8B-B14F-4D97-AF65-F5344CB8AC3E}">
-        <p14:creationId xmlns:p14="http://schemas.microsoft.com/office/powerpoint/2010/main" val="834098366"/>
+        <p14:creationId xmlns:p14="http://schemas.microsoft.com/office/powerpoint/2010/main" xmlns="" val="834098366"/>
       </p:ext>
     </p:extLst>
   </p:cSld>
@@ -1764,7 +1776,8 @@
           <a:p>
             <a:fld id="{E2BC31FF-8399-D040-9CF2-06EC6FCBB015}" type="datetimeFigureOut">
               <a:rPr lang="en-US" smtClean="0"/>
-              <a:t>4/12/15</a:t>
+              <a:pPr/>
+              <a:t>4/13/2015</a:t>
             </a:fld>
             <a:endParaRPr lang="en-US"/>
           </a:p>
@@ -1806,6 +1819,7 @@
           <a:p>
             <a:fld id="{578C4C9C-30B0-F541-88AF-2D72310D7B80}" type="slidenum">
               <a:rPr lang="en-US" smtClean="0"/>
+              <a:pPr/>
               <a:t>‹#›</a:t>
             </a:fld>
             <a:endParaRPr lang="en-US"/>
@@ -1815,7 +1829,7 @@
     </p:spTree>
     <p:extLst>
       <p:ext uri="{BB962C8B-B14F-4D97-AF65-F5344CB8AC3E}">
-        <p14:creationId xmlns:p14="http://schemas.microsoft.com/office/powerpoint/2010/main" val="169037381"/>
+        <p14:creationId xmlns:p14="http://schemas.microsoft.com/office/powerpoint/2010/main" xmlns="" val="169037381"/>
       </p:ext>
     </p:extLst>
   </p:cSld>
@@ -1882,7 +1896,8 @@
           <a:p>
             <a:fld id="{E2BC31FF-8399-D040-9CF2-06EC6FCBB015}" type="datetimeFigureOut">
               <a:rPr lang="en-US" smtClean="0"/>
-              <a:t>4/12/15</a:t>
+              <a:pPr/>
+              <a:t>4/13/2015</a:t>
             </a:fld>
             <a:endParaRPr lang="en-US"/>
           </a:p>
@@ -1924,6 +1939,7 @@
           <a:p>
             <a:fld id="{578C4C9C-30B0-F541-88AF-2D72310D7B80}" type="slidenum">
               <a:rPr lang="en-US" smtClean="0"/>
+              <a:pPr/>
               <a:t>‹#›</a:t>
             </a:fld>
             <a:endParaRPr lang="en-US"/>
@@ -1933,7 +1949,7 @@
     </p:spTree>
     <p:extLst>
       <p:ext uri="{BB962C8B-B14F-4D97-AF65-F5344CB8AC3E}">
-        <p14:creationId xmlns:p14="http://schemas.microsoft.com/office/powerpoint/2010/main" val="3385767794"/>
+        <p14:creationId xmlns:p14="http://schemas.microsoft.com/office/powerpoint/2010/main" xmlns="" val="3385767794"/>
       </p:ext>
     </p:extLst>
   </p:cSld>
@@ -1977,7 +1993,8 @@
           <a:p>
             <a:fld id="{E2BC31FF-8399-D040-9CF2-06EC6FCBB015}" type="datetimeFigureOut">
               <a:rPr lang="en-US" smtClean="0"/>
-              <a:t>4/12/15</a:t>
+              <a:pPr/>
+              <a:t>4/13/2015</a:t>
             </a:fld>
             <a:endParaRPr lang="en-US"/>
           </a:p>
@@ -2019,6 +2036,7 @@
           <a:p>
             <a:fld id="{578C4C9C-30B0-F541-88AF-2D72310D7B80}" type="slidenum">
               <a:rPr lang="en-US" smtClean="0"/>
+              <a:pPr/>
               <a:t>‹#›</a:t>
             </a:fld>
             <a:endParaRPr lang="en-US"/>
@@ -2028,7 +2046,7 @@
     </p:spTree>
     <p:extLst>
       <p:ext uri="{BB962C8B-B14F-4D97-AF65-F5344CB8AC3E}">
-        <p14:creationId xmlns:p14="http://schemas.microsoft.com/office/powerpoint/2010/main" val="807440698"/>
+        <p14:creationId xmlns:p14="http://schemas.microsoft.com/office/powerpoint/2010/main" xmlns="" val="807440698"/>
       </p:ext>
     </p:extLst>
   </p:cSld>
@@ -2254,7 +2272,8 @@
           <a:p>
             <a:fld id="{E2BC31FF-8399-D040-9CF2-06EC6FCBB015}" type="datetimeFigureOut">
               <a:rPr lang="en-US" smtClean="0"/>
-              <a:t>4/12/15</a:t>
+              <a:pPr/>
+              <a:t>4/13/2015</a:t>
             </a:fld>
             <a:endParaRPr lang="en-US"/>
           </a:p>
@@ -2296,6 +2315,7 @@
           <a:p>
             <a:fld id="{578C4C9C-30B0-F541-88AF-2D72310D7B80}" type="slidenum">
               <a:rPr lang="en-US" smtClean="0"/>
+              <a:pPr/>
               <a:t>‹#›</a:t>
             </a:fld>
             <a:endParaRPr lang="en-US"/>
@@ -2305,7 +2325,7 @@
     </p:spTree>
     <p:extLst>
       <p:ext uri="{BB962C8B-B14F-4D97-AF65-F5344CB8AC3E}">
-        <p14:creationId xmlns:p14="http://schemas.microsoft.com/office/powerpoint/2010/main" val="2962787386"/>
+        <p14:creationId xmlns:p14="http://schemas.microsoft.com/office/powerpoint/2010/main" xmlns="" val="2962787386"/>
       </p:ext>
     </p:extLst>
   </p:cSld>
@@ -2507,7 +2527,8 @@
           <a:p>
             <a:fld id="{E2BC31FF-8399-D040-9CF2-06EC6FCBB015}" type="datetimeFigureOut">
               <a:rPr lang="en-US" smtClean="0"/>
-              <a:t>4/12/15</a:t>
+              <a:pPr/>
+              <a:t>4/13/2015</a:t>
             </a:fld>
             <a:endParaRPr lang="en-US"/>
           </a:p>
@@ -2549,6 +2570,7 @@
           <a:p>
             <a:fld id="{578C4C9C-30B0-F541-88AF-2D72310D7B80}" type="slidenum">
               <a:rPr lang="en-US" smtClean="0"/>
+              <a:pPr/>
               <a:t>‹#›</a:t>
             </a:fld>
             <a:endParaRPr lang="en-US"/>
@@ -2558,7 +2580,7 @@
     </p:spTree>
     <p:extLst>
       <p:ext uri="{BB962C8B-B14F-4D97-AF65-F5344CB8AC3E}">
-        <p14:creationId xmlns:p14="http://schemas.microsoft.com/office/powerpoint/2010/main" val="3643133591"/>
+        <p14:creationId xmlns:p14="http://schemas.microsoft.com/office/powerpoint/2010/main" xmlns="" val="3643133591"/>
       </p:ext>
     </p:extLst>
   </p:cSld>
@@ -2720,7 +2742,8 @@
           <a:p>
             <a:fld id="{E2BC31FF-8399-D040-9CF2-06EC6FCBB015}" type="datetimeFigureOut">
               <a:rPr lang="en-US" smtClean="0"/>
-              <a:t>4/12/15</a:t>
+              <a:pPr/>
+              <a:t>4/13/2015</a:t>
             </a:fld>
             <a:endParaRPr lang="en-US"/>
           </a:p>
@@ -2798,6 +2821,7 @@
           <a:p>
             <a:fld id="{578C4C9C-30B0-F541-88AF-2D72310D7B80}" type="slidenum">
               <a:rPr lang="en-US" smtClean="0"/>
+              <a:pPr/>
               <a:t>‹#›</a:t>
             </a:fld>
             <a:endParaRPr lang="en-US"/>
@@ -2807,7 +2831,7 @@
     </p:spTree>
     <p:extLst>
       <p:ext uri="{BB962C8B-B14F-4D97-AF65-F5344CB8AC3E}">
-        <p14:creationId xmlns:p14="http://schemas.microsoft.com/office/powerpoint/2010/main" val="4246334177"/>
+        <p14:creationId xmlns:p14="http://schemas.microsoft.com/office/powerpoint/2010/main" xmlns="" val="4246334177"/>
       </p:ext>
     </p:extLst>
   </p:cSld>
@@ -3111,7 +3135,7 @@
           <a:blip r:embed="rId3" cstate="screen">
             <a:extLst>
               <a:ext uri="{28A0092B-C50C-407E-A947-70E740481C1C}">
-                <a14:useLocalDpi xmlns:a14="http://schemas.microsoft.com/office/drawing/2010/main"/>
+                <a14:useLocalDpi xmlns:a14="http://schemas.microsoft.com/office/drawing/2010/main" xmlns=""/>
               </a:ext>
             </a:extLst>
           </a:blip>
@@ -3129,7 +3153,7 @@
           <a:noFill/>
           <a:extLst>
             <a:ext uri="{909E8E84-426E-40dd-AFC4-6F175D3DCCD1}">
-              <a14:hiddenFill xmlns:a14="http://schemas.microsoft.com/office/drawing/2010/main">
+              <a14:hiddenFill xmlns:a14="http://schemas.microsoft.com/office/drawing/2010/main" xmlns="">
                 <a:solidFill>
                   <a:srgbClr val="FFFFFF"/>
                 </a:solidFill>
@@ -3146,8 +3170,8 @@
         </p:nvCxnSpPr>
         <p:spPr>
           <a:xfrm>
-            <a:off x="3104594" y="476311"/>
-            <a:ext cx="1199502" cy="882058"/>
+            <a:off x="3612062" y="1907931"/>
+            <a:ext cx="520323" cy="1588"/>
           </a:xfrm>
           <a:prstGeom prst="straightConnector1">
             <a:avLst/>
@@ -3182,7 +3206,7 @@
         </p:nvSpPr>
         <p:spPr>
           <a:xfrm>
-            <a:off x="1655110" y="77450"/>
+            <a:off x="2024486" y="1652954"/>
             <a:ext cx="1587576" cy="461665"/>
           </a:xfrm>
           <a:prstGeom prst="rect">
@@ -3207,13 +3231,15 @@
       <p:cxnSp>
         <p:nvCxnSpPr>
           <p:cNvPr id="8" name="Straight Arrow Connector 7"/>
-          <p:cNvCxnSpPr/>
+          <p:cNvCxnSpPr>
+            <a:stCxn id="9" idx="0"/>
+          </p:cNvCxnSpPr>
           <p:nvPr/>
         </p:nvCxnSpPr>
         <p:spPr>
-          <a:xfrm>
-            <a:off x="1669418" y="3045081"/>
-            <a:ext cx="1199502" cy="882058"/>
+          <a:xfrm rot="5400000" flipH="1" flipV="1">
+            <a:off x="3097693" y="5077578"/>
+            <a:ext cx="1028739" cy="1588"/>
           </a:xfrm>
           <a:prstGeom prst="straightConnector1">
             <a:avLst/>
@@ -3248,7 +3274,7 @@
         </p:nvSpPr>
         <p:spPr>
           <a:xfrm>
-            <a:off x="-12387" y="2646220"/>
+            <a:off x="2490696" y="5591947"/>
             <a:ext cx="2242731" cy="461665"/>
           </a:xfrm>
           <a:prstGeom prst="rect">
@@ -3273,13 +3299,20 @@
     </p:spTree>
     <p:extLst>
       <p:ext uri="{BB962C8B-B14F-4D97-AF65-F5344CB8AC3E}">
-        <p14:creationId xmlns:p14="http://schemas.microsoft.com/office/powerpoint/2010/main" val="2677035102"/>
+        <p14:creationId xmlns:p14="http://schemas.microsoft.com/office/powerpoint/2010/main" xmlns="" val="2677035102"/>
       </p:ext>
     </p:extLst>
   </p:cSld>
   <p:clrMapOvr>
     <a:masterClrMapping/>
   </p:clrMapOvr>
+  <p:timing>
+    <p:tnLst>
+      <p:par>
+        <p:cTn id="1" dur="indefinite" restart="never" nodeType="tmRoot"/>
+      </p:par>
+    </p:tnLst>
+  </p:timing>
 </p:sld>
 </file>
 

--- a/paper/figures/HOCannotated.pptx
+++ b/paper/figures/HOCannotated.pptx
@@ -289,7 +289,7 @@
             <a:fld id="{E2BC31FF-8399-D040-9CF2-06EC6FCBB015}" type="datetimeFigureOut">
               <a:rPr lang="en-US" smtClean="0"/>
               <a:pPr/>
-              <a:t>4/13/2015</a:t>
+              <a:t>4/15/15</a:t>
             </a:fld>
             <a:endParaRPr lang="en-US"/>
           </a:p>
@@ -341,7 +341,7 @@
     </p:spTree>
     <p:extLst>
       <p:ext uri="{BB962C8B-B14F-4D97-AF65-F5344CB8AC3E}">
-        <p14:creationId xmlns:p14="http://schemas.microsoft.com/office/powerpoint/2010/main" xmlns="" val="1256092574"/>
+        <p14:creationId xmlns:p14="http://schemas.microsoft.com/office/powerpoint/2010/main" val="1256092574"/>
       </p:ext>
     </p:extLst>
   </p:cSld>
@@ -461,7 +461,7 @@
             <a:fld id="{E2BC31FF-8399-D040-9CF2-06EC6FCBB015}" type="datetimeFigureOut">
               <a:rPr lang="en-US" smtClean="0"/>
               <a:pPr/>
-              <a:t>4/13/2015</a:t>
+              <a:t>4/15/15</a:t>
             </a:fld>
             <a:endParaRPr lang="en-US"/>
           </a:p>
@@ -513,7 +513,7 @@
     </p:spTree>
     <p:extLst>
       <p:ext uri="{BB962C8B-B14F-4D97-AF65-F5344CB8AC3E}">
-        <p14:creationId xmlns:p14="http://schemas.microsoft.com/office/powerpoint/2010/main" xmlns="" val="854545861"/>
+        <p14:creationId xmlns:p14="http://schemas.microsoft.com/office/powerpoint/2010/main" val="854545861"/>
       </p:ext>
     </p:extLst>
   </p:cSld>
@@ -643,7 +643,7 @@
             <a:fld id="{E2BC31FF-8399-D040-9CF2-06EC6FCBB015}" type="datetimeFigureOut">
               <a:rPr lang="en-US" smtClean="0"/>
               <a:pPr/>
-              <a:t>4/13/2015</a:t>
+              <a:t>4/15/15</a:t>
             </a:fld>
             <a:endParaRPr lang="en-US"/>
           </a:p>
@@ -695,7 +695,7 @@
     </p:spTree>
     <p:extLst>
       <p:ext uri="{BB962C8B-B14F-4D97-AF65-F5344CB8AC3E}">
-        <p14:creationId xmlns:p14="http://schemas.microsoft.com/office/powerpoint/2010/main" xmlns="" val="2221062258"/>
+        <p14:creationId xmlns:p14="http://schemas.microsoft.com/office/powerpoint/2010/main" val="2221062258"/>
       </p:ext>
     </p:extLst>
   </p:cSld>
@@ -815,7 +815,7 @@
             <a:fld id="{E2BC31FF-8399-D040-9CF2-06EC6FCBB015}" type="datetimeFigureOut">
               <a:rPr lang="en-US" smtClean="0"/>
               <a:pPr/>
-              <a:t>4/13/2015</a:t>
+              <a:t>4/15/15</a:t>
             </a:fld>
             <a:endParaRPr lang="en-US"/>
           </a:p>
@@ -867,7 +867,7 @@
     </p:spTree>
     <p:extLst>
       <p:ext uri="{BB962C8B-B14F-4D97-AF65-F5344CB8AC3E}">
-        <p14:creationId xmlns:p14="http://schemas.microsoft.com/office/powerpoint/2010/main" xmlns="" val="2290726589"/>
+        <p14:creationId xmlns:p14="http://schemas.microsoft.com/office/powerpoint/2010/main" val="2290726589"/>
       </p:ext>
     </p:extLst>
   </p:cSld>
@@ -1063,7 +1063,7 @@
             <a:fld id="{E2BC31FF-8399-D040-9CF2-06EC6FCBB015}" type="datetimeFigureOut">
               <a:rPr lang="en-US" smtClean="0"/>
               <a:pPr/>
-              <a:t>4/13/2015</a:t>
+              <a:t>4/15/15</a:t>
             </a:fld>
             <a:endParaRPr lang="en-US"/>
           </a:p>
@@ -1115,7 +1115,7 @@
     </p:spTree>
     <p:extLst>
       <p:ext uri="{BB962C8B-B14F-4D97-AF65-F5344CB8AC3E}">
-        <p14:creationId xmlns:p14="http://schemas.microsoft.com/office/powerpoint/2010/main" xmlns="" val="1645174297"/>
+        <p14:creationId xmlns:p14="http://schemas.microsoft.com/office/powerpoint/2010/main" val="1645174297"/>
       </p:ext>
     </p:extLst>
   </p:cSld>
@@ -1353,7 +1353,7 @@
             <a:fld id="{E2BC31FF-8399-D040-9CF2-06EC6FCBB015}" type="datetimeFigureOut">
               <a:rPr lang="en-US" smtClean="0"/>
               <a:pPr/>
-              <a:t>4/13/2015</a:t>
+              <a:t>4/15/15</a:t>
             </a:fld>
             <a:endParaRPr lang="en-US"/>
           </a:p>
@@ -1405,7 +1405,7 @@
     </p:spTree>
     <p:extLst>
       <p:ext uri="{BB962C8B-B14F-4D97-AF65-F5344CB8AC3E}">
-        <p14:creationId xmlns:p14="http://schemas.microsoft.com/office/powerpoint/2010/main" xmlns="" val="834098366"/>
+        <p14:creationId xmlns:p14="http://schemas.microsoft.com/office/powerpoint/2010/main" val="834098366"/>
       </p:ext>
     </p:extLst>
   </p:cSld>
@@ -1777,7 +1777,7 @@
             <a:fld id="{E2BC31FF-8399-D040-9CF2-06EC6FCBB015}" type="datetimeFigureOut">
               <a:rPr lang="en-US" smtClean="0"/>
               <a:pPr/>
-              <a:t>4/13/2015</a:t>
+              <a:t>4/15/15</a:t>
             </a:fld>
             <a:endParaRPr lang="en-US"/>
           </a:p>
@@ -1829,7 +1829,7 @@
     </p:spTree>
     <p:extLst>
       <p:ext uri="{BB962C8B-B14F-4D97-AF65-F5344CB8AC3E}">
-        <p14:creationId xmlns:p14="http://schemas.microsoft.com/office/powerpoint/2010/main" xmlns="" val="169037381"/>
+        <p14:creationId xmlns:p14="http://schemas.microsoft.com/office/powerpoint/2010/main" val="169037381"/>
       </p:ext>
     </p:extLst>
   </p:cSld>
@@ -1897,7 +1897,7 @@
             <a:fld id="{E2BC31FF-8399-D040-9CF2-06EC6FCBB015}" type="datetimeFigureOut">
               <a:rPr lang="en-US" smtClean="0"/>
               <a:pPr/>
-              <a:t>4/13/2015</a:t>
+              <a:t>4/15/15</a:t>
             </a:fld>
             <a:endParaRPr lang="en-US"/>
           </a:p>
@@ -1949,7 +1949,7 @@
     </p:spTree>
     <p:extLst>
       <p:ext uri="{BB962C8B-B14F-4D97-AF65-F5344CB8AC3E}">
-        <p14:creationId xmlns:p14="http://schemas.microsoft.com/office/powerpoint/2010/main" xmlns="" val="3385767794"/>
+        <p14:creationId xmlns:p14="http://schemas.microsoft.com/office/powerpoint/2010/main" val="3385767794"/>
       </p:ext>
     </p:extLst>
   </p:cSld>
@@ -1994,7 +1994,7 @@
             <a:fld id="{E2BC31FF-8399-D040-9CF2-06EC6FCBB015}" type="datetimeFigureOut">
               <a:rPr lang="en-US" smtClean="0"/>
               <a:pPr/>
-              <a:t>4/13/2015</a:t>
+              <a:t>4/15/15</a:t>
             </a:fld>
             <a:endParaRPr lang="en-US"/>
           </a:p>
@@ -2046,7 +2046,7 @@
     </p:spTree>
     <p:extLst>
       <p:ext uri="{BB962C8B-B14F-4D97-AF65-F5344CB8AC3E}">
-        <p14:creationId xmlns:p14="http://schemas.microsoft.com/office/powerpoint/2010/main" xmlns="" val="807440698"/>
+        <p14:creationId xmlns:p14="http://schemas.microsoft.com/office/powerpoint/2010/main" val="807440698"/>
       </p:ext>
     </p:extLst>
   </p:cSld>
@@ -2273,7 +2273,7 @@
             <a:fld id="{E2BC31FF-8399-D040-9CF2-06EC6FCBB015}" type="datetimeFigureOut">
               <a:rPr lang="en-US" smtClean="0"/>
               <a:pPr/>
-              <a:t>4/13/2015</a:t>
+              <a:t>4/15/15</a:t>
             </a:fld>
             <a:endParaRPr lang="en-US"/>
           </a:p>
@@ -2325,7 +2325,7 @@
     </p:spTree>
     <p:extLst>
       <p:ext uri="{BB962C8B-B14F-4D97-AF65-F5344CB8AC3E}">
-        <p14:creationId xmlns:p14="http://schemas.microsoft.com/office/powerpoint/2010/main" xmlns="" val="2962787386"/>
+        <p14:creationId xmlns:p14="http://schemas.microsoft.com/office/powerpoint/2010/main" val="2962787386"/>
       </p:ext>
     </p:extLst>
   </p:cSld>
@@ -2528,7 +2528,7 @@
             <a:fld id="{E2BC31FF-8399-D040-9CF2-06EC6FCBB015}" type="datetimeFigureOut">
               <a:rPr lang="en-US" smtClean="0"/>
               <a:pPr/>
-              <a:t>4/13/2015</a:t>
+              <a:t>4/15/15</a:t>
             </a:fld>
             <a:endParaRPr lang="en-US"/>
           </a:p>
@@ -2580,7 +2580,7 @@
     </p:spTree>
     <p:extLst>
       <p:ext uri="{BB962C8B-B14F-4D97-AF65-F5344CB8AC3E}">
-        <p14:creationId xmlns:p14="http://schemas.microsoft.com/office/powerpoint/2010/main" xmlns="" val="3643133591"/>
+        <p14:creationId xmlns:p14="http://schemas.microsoft.com/office/powerpoint/2010/main" val="3643133591"/>
       </p:ext>
     </p:extLst>
   </p:cSld>
@@ -2743,7 +2743,7 @@
             <a:fld id="{E2BC31FF-8399-D040-9CF2-06EC6FCBB015}" type="datetimeFigureOut">
               <a:rPr lang="en-US" smtClean="0"/>
               <a:pPr/>
-              <a:t>4/13/2015</a:t>
+              <a:t>4/15/15</a:t>
             </a:fld>
             <a:endParaRPr lang="en-US"/>
           </a:p>
@@ -2831,7 +2831,7 @@
     </p:spTree>
     <p:extLst>
       <p:ext uri="{BB962C8B-B14F-4D97-AF65-F5344CB8AC3E}">
-        <p14:creationId xmlns:p14="http://schemas.microsoft.com/office/powerpoint/2010/main" xmlns="" val="4246334177"/>
+        <p14:creationId xmlns:p14="http://schemas.microsoft.com/office/powerpoint/2010/main" val="4246334177"/>
       </p:ext>
     </p:extLst>
   </p:cSld>
@@ -3135,7 +3135,7 @@
           <a:blip r:embed="rId3" cstate="screen">
             <a:extLst>
               <a:ext uri="{28A0092B-C50C-407E-A947-70E740481C1C}">
-                <a14:useLocalDpi xmlns:a14="http://schemas.microsoft.com/office/drawing/2010/main" xmlns=""/>
+                <a14:useLocalDpi xmlns:a14="http://schemas.microsoft.com/office/drawing/2010/main"/>
               </a:ext>
             </a:extLst>
           </a:blip>
@@ -3153,7 +3153,7 @@
           <a:noFill/>
           <a:extLst>
             <a:ext uri="{909E8E84-426E-40dd-AFC4-6F175D3DCCD1}">
-              <a14:hiddenFill xmlns:a14="http://schemas.microsoft.com/office/drawing/2010/main" xmlns="">
+              <a14:hiddenFill xmlns:a14="http://schemas.microsoft.com/office/drawing/2010/main">
                 <a:solidFill>
                   <a:srgbClr val="FFFFFF"/>
                 </a:solidFill>
@@ -3237,9 +3237,9 @@
           <p:nvPr/>
         </p:nvCxnSpPr>
         <p:spPr>
-          <a:xfrm rot="5400000" flipH="1" flipV="1">
-            <a:off x="3097693" y="5077578"/>
-            <a:ext cx="1028739" cy="1588"/>
+          <a:xfrm flipV="1">
+            <a:off x="3406096" y="4340909"/>
+            <a:ext cx="795" cy="1027944"/>
           </a:xfrm>
           <a:prstGeom prst="straightConnector1">
             <a:avLst/>
@@ -3274,8 +3274,8 @@
         </p:nvSpPr>
         <p:spPr>
           <a:xfrm>
-            <a:off x="2490696" y="5591947"/>
-            <a:ext cx="2242731" cy="461665"/>
+            <a:off x="2284730" y="5368853"/>
+            <a:ext cx="2242731" cy="830997"/>
           </a:xfrm>
           <a:prstGeom prst="rect">
             <a:avLst/>
@@ -3288,9 +3288,84 @@
           </a:bodyPr>
           <a:lstStyle/>
           <a:p>
+            <a:pPr algn="ctr"/>
             <a:r>
               <a:rPr lang="en-US" sz="2400" dirty="0" smtClean="0"/>
-              <a:t>Microcontroller</a:t>
+              <a:t>Heart Model Implementation</a:t>
+            </a:r>
+            <a:endParaRPr lang="en-US" sz="2400" dirty="0"/>
+          </a:p>
+        </p:txBody>
+      </p:sp>
+      <p:cxnSp>
+        <p:nvCxnSpPr>
+          <p:cNvPr id="10" name="Straight Arrow Connector 7"/>
+          <p:cNvCxnSpPr/>
+          <p:nvPr/>
+        </p:nvCxnSpPr>
+        <p:spPr>
+          <a:xfrm flipH="1" flipV="1">
+            <a:off x="5114679" y="4942393"/>
+            <a:ext cx="686676" cy="426460"/>
+          </a:xfrm>
+          <a:prstGeom prst="straightConnector1">
+            <a:avLst/>
+          </a:prstGeom>
+          <a:ln w="38100" cmpd="sng">
+            <a:solidFill>
+              <a:srgbClr val="FF0000"/>
+            </a:solidFill>
+            <a:tailEnd type="arrow"/>
+          </a:ln>
+        </p:spPr>
+        <p:style>
+          <a:lnRef idx="2">
+            <a:schemeClr val="accent1"/>
+          </a:lnRef>
+          <a:fillRef idx="0">
+            <a:schemeClr val="accent1"/>
+          </a:fillRef>
+          <a:effectRef idx="1">
+            <a:schemeClr val="accent1"/>
+          </a:effectRef>
+          <a:fontRef idx="minor">
+            <a:schemeClr val="tx1"/>
+          </a:fontRef>
+        </p:style>
+      </p:cxnSp>
+      <p:sp>
+        <p:nvSpPr>
+          <p:cNvPr id="11" name="TextBox 8"/>
+          <p:cNvSpPr txBox="1"/>
+          <p:nvPr/>
+        </p:nvSpPr>
+        <p:spPr>
+          <a:xfrm>
+            <a:off x="5114679" y="5278795"/>
+            <a:ext cx="2242731" cy="830997"/>
+          </a:xfrm>
+          <a:prstGeom prst="rect">
+            <a:avLst/>
+          </a:prstGeom>
+          <a:noFill/>
+        </p:spPr>
+        <p:txBody>
+          <a:bodyPr wrap="square" rtlCol="0">
+            <a:spAutoFit/>
+          </a:bodyPr>
+          <a:lstStyle/>
+          <a:p>
+            <a:pPr algn="ctr"/>
+            <a:r>
+              <a:rPr lang="en-US" sz="2400" dirty="0" smtClean="0"/>
+              <a:t>Analog</a:t>
+            </a:r>
+          </a:p>
+          <a:p>
+            <a:pPr algn="ctr"/>
+            <a:r>
+              <a:rPr lang="en-US" sz="2400" dirty="0" smtClean="0"/>
+              <a:t>Interface</a:t>
             </a:r>
             <a:endParaRPr lang="en-US" sz="2400" dirty="0"/>
           </a:p>
@@ -3299,7 +3374,7 @@
     </p:spTree>
     <p:extLst>
       <p:ext uri="{BB962C8B-B14F-4D97-AF65-F5344CB8AC3E}">
-        <p14:creationId xmlns:p14="http://schemas.microsoft.com/office/powerpoint/2010/main" xmlns="" val="2677035102"/>
+        <p14:creationId xmlns:p14="http://schemas.microsoft.com/office/powerpoint/2010/main" val="2677035102"/>
       </p:ext>
     </p:extLst>
   </p:cSld>
@@ -3309,7 +3384,7 @@
   <p:timing>
     <p:tnLst>
       <p:par>
-        <p:cTn id="1" dur="indefinite" restart="never" nodeType="tmRoot"/>
+        <p:cTn xmlns:p14="http://schemas.microsoft.com/office/powerpoint/2010/main" id="1" dur="indefinite" restart="never" nodeType="tmRoot"/>
       </p:par>
     </p:tnLst>
   </p:timing>
